--- a/cw1/fundamentalMatrix/data/left_fundemental.pptx
+++ b/cw1/fundamentalMatrix/data/left_fundemental.pptx
@@ -3345,10 +3345,10 @@
       </p:grpSpPr>
       <p:grpSp>
         <p:nvGrpSpPr>
-          <p:cNvPr id="42" name="Group 41">
-            <a:extLst>
-              <a:ext uri="{FF2B5EF4-FFF2-40B4-BE49-F238E27FC236}">
-                <a16:creationId xmlns:a16="http://schemas.microsoft.com/office/drawing/2014/main" id="{2511438C-CA2D-40EA-AA0F-5D742FE40FC6}"/>
+          <p:cNvPr id="63" name="Group 62">
+            <a:extLst>
+              <a:ext uri="{FF2B5EF4-FFF2-40B4-BE49-F238E27FC236}">
+                <a16:creationId xmlns:a16="http://schemas.microsoft.com/office/drawing/2014/main" id="{5149980E-7237-4F24-8410-FD741D7AAFC2}"/>
               </a:ext>
             </a:extLst>
           </p:cNvPr>
@@ -3358,17 +3358,17 @@
         <p:grpSpPr>
           <a:xfrm>
             <a:off x="896876" y="1953928"/>
-            <a:ext cx="6855204" cy="2281245"/>
+            <a:ext cx="6855204" cy="2490735"/>
             <a:chOff x="896876" y="1953928"/>
-            <a:chExt cx="6855204" cy="2281245"/>
+            <a:chExt cx="6855204" cy="2490735"/>
           </a:xfrm>
         </p:grpSpPr>
         <p:grpSp>
           <p:nvGrpSpPr>
-            <p:cNvPr id="17" name="Group 16">
+            <p:cNvPr id="42" name="Group 41">
               <a:extLst>
                 <a:ext uri="{FF2B5EF4-FFF2-40B4-BE49-F238E27FC236}">
-                  <a16:creationId xmlns:a16="http://schemas.microsoft.com/office/drawing/2014/main" id="{6DDC7E74-9D02-417F-94BD-36228A9FBF6E}"/>
+                  <a16:creationId xmlns:a16="http://schemas.microsoft.com/office/drawing/2014/main" id="{2511438C-CA2D-40EA-AA0F-5D742FE40FC6}"/>
                 </a:ext>
               </a:extLst>
             </p:cNvPr>
@@ -3377,60 +3377,163 @@
           </p:nvGrpSpPr>
           <p:grpSpPr>
             <a:xfrm>
-              <a:off x="927654" y="1967948"/>
-              <a:ext cx="6181321" cy="2267225"/>
-              <a:chOff x="-3048000" y="1320800"/>
-              <a:chExt cx="11954934" cy="4216400"/>
+              <a:off x="896876" y="1953928"/>
+              <a:ext cx="6855204" cy="2281245"/>
+              <a:chOff x="896876" y="1953928"/>
+              <a:chExt cx="6855204" cy="2281245"/>
             </a:xfrm>
           </p:grpSpPr>
-          <p:pic>
-            <p:nvPicPr>
-              <p:cNvPr id="5" name="Picture 4" descr="A picture containing text, stationary, envelope&#10;&#10;Description automatically generated">
+          <p:grpSp>
+            <p:nvGrpSpPr>
+              <p:cNvPr id="17" name="Group 16">
                 <a:extLst>
                   <a:ext uri="{FF2B5EF4-FFF2-40B4-BE49-F238E27FC236}">
-                    <a16:creationId xmlns:a16="http://schemas.microsoft.com/office/drawing/2014/main" id="{CEAF8B11-5F84-4007-B8AC-72A62D48AE1C}"/>
+                    <a16:creationId xmlns:a16="http://schemas.microsoft.com/office/drawing/2014/main" id="{6DDC7E74-9D02-417F-94BD-36228A9FBF6E}"/>
                   </a:ext>
                 </a:extLst>
               </p:cNvPr>
-              <p:cNvPicPr>
-                <a:picLocks noChangeAspect="1"/>
-              </p:cNvPicPr>
+              <p:cNvGrpSpPr/>
               <p:nvPr/>
-            </p:nvPicPr>
-            <p:blipFill>
-              <a:blip r:embed="rId2">
-                <a:extLst>
-                  <a:ext uri="{28A0092B-C50C-407E-A947-70E740481C1C}">
-                    <a14:useLocalDpi xmlns:a14="http://schemas.microsoft.com/office/drawing/2010/main" val="0"/>
-                  </a:ext>
-                </a:extLst>
-              </a:blip>
-              <a:stretch>
-                <a:fillRect/>
-              </a:stretch>
-            </p:blipFill>
-            <p:spPr>
+            </p:nvGrpSpPr>
+            <p:grpSpPr>
               <a:xfrm>
-                <a:off x="3285066" y="1320800"/>
-                <a:ext cx="5621867" cy="4216400"/>
+                <a:off x="927654" y="1967948"/>
+                <a:ext cx="6181321" cy="2267225"/>
+                <a:chOff x="-3048000" y="1320800"/>
+                <a:chExt cx="11954934" cy="4216400"/>
               </a:xfrm>
-              <a:prstGeom prst="rect">
-                <a:avLst/>
-              </a:prstGeom>
-              <a:ln>
-                <a:solidFill>
+            </p:grpSpPr>
+            <p:pic>
+              <p:nvPicPr>
+                <p:cNvPr id="5" name="Picture 4" descr="A picture containing text, stationary, envelope&#10;&#10;Description automatically generated">
+                  <a:extLst>
+                    <a:ext uri="{FF2B5EF4-FFF2-40B4-BE49-F238E27FC236}">
+                      <a16:creationId xmlns:a16="http://schemas.microsoft.com/office/drawing/2014/main" id="{CEAF8B11-5F84-4007-B8AC-72A62D48AE1C}"/>
+                    </a:ext>
+                  </a:extLst>
+                </p:cNvPr>
+                <p:cNvPicPr>
+                  <a:picLocks noChangeAspect="1"/>
+                </p:cNvPicPr>
+                <p:nvPr/>
+              </p:nvPicPr>
+              <p:blipFill>
+                <a:blip r:embed="rId2">
+                  <a:extLst>
+                    <a:ext uri="{28A0092B-C50C-407E-A947-70E740481C1C}">
+                      <a14:useLocalDpi xmlns:a14="http://schemas.microsoft.com/office/drawing/2010/main" val="0"/>
+                    </a:ext>
+                  </a:extLst>
+                </a:blip>
+                <a:stretch>
+                  <a:fillRect/>
+                </a:stretch>
+              </p:blipFill>
+              <p:spPr>
+                <a:xfrm>
+                  <a:off x="3285066" y="1320800"/>
+                  <a:ext cx="5621867" cy="4216400"/>
+                </a:xfrm>
+                <a:prstGeom prst="rect">
+                  <a:avLst/>
+                </a:prstGeom>
+                <a:ln>
+                  <a:solidFill>
+                    <a:schemeClr val="tx1"/>
+                  </a:solidFill>
+                  <a:prstDash val="sysDot"/>
+                </a:ln>
+              </p:spPr>
+            </p:pic>
+            <p:cxnSp>
+              <p:nvCxnSpPr>
+                <p:cNvPr id="7" name="Straight Connector 6">
+                  <a:extLst>
+                    <a:ext uri="{FF2B5EF4-FFF2-40B4-BE49-F238E27FC236}">
+                      <a16:creationId xmlns:a16="http://schemas.microsoft.com/office/drawing/2014/main" id="{D5595F25-62B4-42F0-9E9C-9F8A7015EEC8}"/>
+                    </a:ext>
+                  </a:extLst>
+                </p:cNvPr>
+                <p:cNvCxnSpPr>
+                  <a:cxnSpLocks/>
+                </p:cNvCxnSpPr>
+                <p:nvPr/>
+              </p:nvCxnSpPr>
+              <p:spPr>
+                <a:xfrm flipH="1">
+                  <a:off x="-2941984" y="1931916"/>
+                  <a:ext cx="11848917" cy="1661294"/>
+                </a:xfrm>
+                <a:prstGeom prst="line">
+                  <a:avLst/>
+                </a:prstGeom>
+                <a:ln w="28575">
+                  <a:prstDash val="sysDot"/>
+                </a:ln>
+              </p:spPr>
+              <p:style>
+                <a:lnRef idx="1">
+                  <a:schemeClr val="accent1"/>
+                </a:lnRef>
+                <a:fillRef idx="0">
+                  <a:schemeClr val="accent1"/>
+                </a:fillRef>
+                <a:effectRef idx="0">
+                  <a:schemeClr val="accent1"/>
+                </a:effectRef>
+                <a:fontRef idx="minor">
                   <a:schemeClr val="tx1"/>
-                </a:solidFill>
-                <a:prstDash val="sysDot"/>
-              </a:ln>
-            </p:spPr>
-          </p:pic>
+                </a:fontRef>
+              </p:style>
+            </p:cxnSp>
+            <p:cxnSp>
+              <p:nvCxnSpPr>
+                <p:cNvPr id="9" name="Straight Connector 8">
+                  <a:extLst>
+                    <a:ext uri="{FF2B5EF4-FFF2-40B4-BE49-F238E27FC236}">
+                      <a16:creationId xmlns:a16="http://schemas.microsoft.com/office/drawing/2014/main" id="{A4B4E5F7-9F7D-40F6-B54C-2184DD899BD0}"/>
+                    </a:ext>
+                  </a:extLst>
+                </p:cNvPr>
+                <p:cNvCxnSpPr>
+                  <a:cxnSpLocks/>
+                </p:cNvCxnSpPr>
+                <p:nvPr/>
+              </p:nvCxnSpPr>
+              <p:spPr>
+                <a:xfrm flipH="1" flipV="1">
+                  <a:off x="-3048000" y="3581399"/>
+                  <a:ext cx="11954934" cy="1655625"/>
+                </a:xfrm>
+                <a:prstGeom prst="line">
+                  <a:avLst/>
+                </a:prstGeom>
+                <a:ln w="28575">
+                  <a:prstDash val="sysDot"/>
+                </a:ln>
+              </p:spPr>
+              <p:style>
+                <a:lnRef idx="1">
+                  <a:schemeClr val="accent1"/>
+                </a:lnRef>
+                <a:fillRef idx="0">
+                  <a:schemeClr val="accent1"/>
+                </a:fillRef>
+                <a:effectRef idx="0">
+                  <a:schemeClr val="accent1"/>
+                </a:effectRef>
+                <a:fontRef idx="minor">
+                  <a:schemeClr val="tx1"/>
+                </a:fontRef>
+              </p:style>
+            </p:cxnSp>
+          </p:grpSp>
           <p:cxnSp>
             <p:nvCxnSpPr>
-              <p:cNvPr id="7" name="Straight Connector 6">
+              <p:cNvPr id="18" name="Straight Connector 17">
                 <a:extLst>
                   <a:ext uri="{FF2B5EF4-FFF2-40B4-BE49-F238E27FC236}">
-                    <a16:creationId xmlns:a16="http://schemas.microsoft.com/office/drawing/2014/main" id="{D5595F25-62B4-42F0-9E9C-9F8A7015EEC8}"/>
+                    <a16:creationId xmlns:a16="http://schemas.microsoft.com/office/drawing/2014/main" id="{2C1C9624-B630-412E-BDCB-7890EB6C05E9}"/>
                   </a:ext>
                 </a:extLst>
               </p:cNvPr>
@@ -3440,9 +3543,9 @@
               <p:nvPr/>
             </p:nvCxnSpPr>
             <p:spPr>
-              <a:xfrm flipH="1">
-                <a:off x="-2941984" y="1931916"/>
-                <a:ext cx="11848917" cy="1661294"/>
+              <a:xfrm flipH="1" flipV="1">
+                <a:off x="4773194" y="1953928"/>
+                <a:ext cx="1459023" cy="1284572"/>
               </a:xfrm>
               <a:prstGeom prst="line">
                 <a:avLst/>
@@ -3468,10 +3571,10 @@
           </p:cxnSp>
           <p:cxnSp>
             <p:nvCxnSpPr>
-              <p:cNvPr id="9" name="Straight Connector 8">
+              <p:cNvPr id="25" name="Straight Connector 24">
                 <a:extLst>
                   <a:ext uri="{FF2B5EF4-FFF2-40B4-BE49-F238E27FC236}">
-                    <a16:creationId xmlns:a16="http://schemas.microsoft.com/office/drawing/2014/main" id="{A4B4E5F7-9F7D-40F6-B54C-2184DD899BD0}"/>
+                    <a16:creationId xmlns:a16="http://schemas.microsoft.com/office/drawing/2014/main" id="{E5EC673A-4928-4D02-A1B7-CE0155E67F8C}"/>
                   </a:ext>
                 </a:extLst>
               </p:cNvPr>
@@ -3481,9 +3584,9 @@
               <p:nvPr/>
             </p:nvCxnSpPr>
             <p:spPr>
-              <a:xfrm flipH="1" flipV="1">
-                <a:off x="-3048000" y="3581399"/>
-                <a:ext cx="11954934" cy="1655625"/>
+              <a:xfrm flipH="1">
+                <a:off x="4816052" y="3238500"/>
+                <a:ext cx="1416165" cy="996673"/>
               </a:xfrm>
               <a:prstGeom prst="line">
                 <a:avLst/>
@@ -3507,270 +3610,635 @@
               </a:fontRef>
             </p:style>
           </p:cxnSp>
+          <p:cxnSp>
+            <p:nvCxnSpPr>
+              <p:cNvPr id="31" name="Straight Connector 30">
+                <a:extLst>
+                  <a:ext uri="{FF2B5EF4-FFF2-40B4-BE49-F238E27FC236}">
+                    <a16:creationId xmlns:a16="http://schemas.microsoft.com/office/drawing/2014/main" id="{00D66A40-A6B0-4206-9F69-76C43FEED3EC}"/>
+                  </a:ext>
+                </a:extLst>
+              </p:cNvPr>
+              <p:cNvCxnSpPr>
+                <a:cxnSpLocks/>
+              </p:cNvCxnSpPr>
+              <p:nvPr/>
+            </p:nvCxnSpPr>
+            <p:spPr>
+              <a:xfrm>
+                <a:off x="909320" y="3185160"/>
+                <a:ext cx="6842760" cy="101981"/>
+              </a:xfrm>
+              <a:prstGeom prst="line">
+                <a:avLst/>
+              </a:prstGeom>
+              <a:ln w="28575">
+                <a:solidFill>
+                  <a:srgbClr val="00B050"/>
+                </a:solidFill>
+              </a:ln>
+            </p:spPr>
+            <p:style>
+              <a:lnRef idx="1">
+                <a:schemeClr val="accent1"/>
+              </a:lnRef>
+              <a:fillRef idx="0">
+                <a:schemeClr val="accent1"/>
+              </a:fillRef>
+              <a:effectRef idx="0">
+                <a:schemeClr val="accent1"/>
+              </a:effectRef>
+              <a:fontRef idx="minor">
+                <a:schemeClr val="tx1"/>
+              </a:fontRef>
+            </p:style>
+          </p:cxnSp>
+          <p:sp>
+            <p:nvSpPr>
+              <p:cNvPr id="36" name="Oval 35">
+                <a:extLst>
+                  <a:ext uri="{FF2B5EF4-FFF2-40B4-BE49-F238E27FC236}">
+                    <a16:creationId xmlns:a16="http://schemas.microsoft.com/office/drawing/2014/main" id="{04F4C29E-660B-4D3D-9148-34B9CE0D1B37}"/>
+                  </a:ext>
+                </a:extLst>
+              </p:cNvPr>
+              <p:cNvSpPr/>
+              <p:nvPr/>
+            </p:nvSpPr>
+            <p:spPr>
+              <a:xfrm>
+                <a:off x="5608268" y="3210177"/>
+                <a:ext cx="94615" cy="101981"/>
+              </a:xfrm>
+              <a:prstGeom prst="ellipse">
+                <a:avLst/>
+              </a:prstGeom>
+            </p:spPr>
+            <p:style>
+              <a:lnRef idx="2">
+                <a:schemeClr val="accent2">
+                  <a:shade val="50000"/>
+                </a:schemeClr>
+              </a:lnRef>
+              <a:fillRef idx="1">
+                <a:schemeClr val="accent2"/>
+              </a:fillRef>
+              <a:effectRef idx="0">
+                <a:schemeClr val="accent2"/>
+              </a:effectRef>
+              <a:fontRef idx="minor">
+                <a:schemeClr val="lt1"/>
+              </a:fontRef>
+            </p:style>
+            <p:txBody>
+              <a:bodyPr rtlCol="0" anchor="ctr"/>
+              <a:lstStyle/>
+              <a:p>
+                <a:pPr algn="ctr"/>
+                <a:endParaRPr lang="en-SG"/>
+              </a:p>
+            </p:txBody>
+          </p:sp>
+          <p:sp>
+            <p:nvSpPr>
+              <p:cNvPr id="37" name="Oval 36">
+                <a:extLst>
+                  <a:ext uri="{FF2B5EF4-FFF2-40B4-BE49-F238E27FC236}">
+                    <a16:creationId xmlns:a16="http://schemas.microsoft.com/office/drawing/2014/main" id="{E4DF6E63-FFC9-49D2-831C-F3343CC699EE}"/>
+                  </a:ext>
+                </a:extLst>
+              </p:cNvPr>
+              <p:cNvSpPr/>
+              <p:nvPr/>
+            </p:nvSpPr>
+            <p:spPr>
+              <a:xfrm>
+                <a:off x="6184909" y="3210178"/>
+                <a:ext cx="94615" cy="101981"/>
+              </a:xfrm>
+              <a:prstGeom prst="ellipse">
+                <a:avLst/>
+              </a:prstGeom>
+            </p:spPr>
+            <p:style>
+              <a:lnRef idx="2">
+                <a:schemeClr val="accent5">
+                  <a:shade val="50000"/>
+                </a:schemeClr>
+              </a:lnRef>
+              <a:fillRef idx="1">
+                <a:schemeClr val="accent5"/>
+              </a:fillRef>
+              <a:effectRef idx="0">
+                <a:schemeClr val="accent5"/>
+              </a:effectRef>
+              <a:fontRef idx="minor">
+                <a:schemeClr val="lt1"/>
+              </a:fontRef>
+            </p:style>
+            <p:txBody>
+              <a:bodyPr rtlCol="0" anchor="ctr"/>
+              <a:lstStyle/>
+              <a:p>
+                <a:pPr algn="ctr"/>
+                <a:endParaRPr lang="en-SG"/>
+              </a:p>
+            </p:txBody>
+          </p:sp>
+          <p:sp>
+            <p:nvSpPr>
+              <p:cNvPr id="38" name="Oval 37">
+                <a:extLst>
+                  <a:ext uri="{FF2B5EF4-FFF2-40B4-BE49-F238E27FC236}">
+                    <a16:creationId xmlns:a16="http://schemas.microsoft.com/office/drawing/2014/main" id="{D847553A-53A8-4BAC-9AB3-4FD1FC5D53C5}"/>
+                  </a:ext>
+                </a:extLst>
+              </p:cNvPr>
+              <p:cNvSpPr/>
+              <p:nvPr/>
+            </p:nvSpPr>
+            <p:spPr>
+              <a:xfrm>
+                <a:off x="896876" y="3134169"/>
+                <a:ext cx="94615" cy="101981"/>
+              </a:xfrm>
+              <a:prstGeom prst="ellipse">
+                <a:avLst/>
+              </a:prstGeom>
+            </p:spPr>
+            <p:style>
+              <a:lnRef idx="2">
+                <a:schemeClr val="accent5">
+                  <a:shade val="50000"/>
+                </a:schemeClr>
+              </a:lnRef>
+              <a:fillRef idx="1">
+                <a:schemeClr val="accent5"/>
+              </a:fillRef>
+              <a:effectRef idx="0">
+                <a:schemeClr val="accent5"/>
+              </a:effectRef>
+              <a:fontRef idx="minor">
+                <a:schemeClr val="lt1"/>
+              </a:fontRef>
+            </p:style>
+            <p:txBody>
+              <a:bodyPr rtlCol="0" anchor="ctr"/>
+              <a:lstStyle/>
+              <a:p>
+                <a:pPr algn="ctr"/>
+                <a:endParaRPr lang="en-SG"/>
+              </a:p>
+            </p:txBody>
+          </p:sp>
         </p:grpSp>
-        <p:cxnSp>
-          <p:nvCxnSpPr>
-            <p:cNvPr id="18" name="Straight Connector 17">
+        <p:grpSp>
+          <p:nvGrpSpPr>
+            <p:cNvPr id="62" name="Group 61">
               <a:extLst>
                 <a:ext uri="{FF2B5EF4-FFF2-40B4-BE49-F238E27FC236}">
-                  <a16:creationId xmlns:a16="http://schemas.microsoft.com/office/drawing/2014/main" id="{2C1C9624-B630-412E-BDCB-7890EB6C05E9}"/>
+                  <a16:creationId xmlns:a16="http://schemas.microsoft.com/office/drawing/2014/main" id="{E05BE9DD-1F37-4D3F-9261-B33881E73FB4}"/>
                 </a:ext>
               </a:extLst>
             </p:cNvPr>
-            <p:cNvCxnSpPr>
-              <a:cxnSpLocks/>
-            </p:cNvCxnSpPr>
+            <p:cNvGrpSpPr/>
             <p:nvPr/>
-          </p:nvCxnSpPr>
-          <p:spPr>
-            <a:xfrm flipH="1" flipV="1">
-              <a:off x="4773194" y="1953928"/>
-              <a:ext cx="1459023" cy="1284572"/>
+          </p:nvGrpSpPr>
+          <p:grpSpPr>
+            <a:xfrm>
+              <a:off x="1128453" y="3429000"/>
+              <a:ext cx="3678432" cy="1015663"/>
+              <a:chOff x="1380593" y="2067071"/>
+              <a:chExt cx="3678432" cy="1015663"/>
             </a:xfrm>
-            <a:prstGeom prst="line">
-              <a:avLst/>
-            </a:prstGeom>
-            <a:ln w="28575">
-              <a:prstDash val="sysDot"/>
-            </a:ln>
-          </p:spPr>
-          <p:style>
-            <a:lnRef idx="1">
-              <a:schemeClr val="accent1"/>
-            </a:lnRef>
-            <a:fillRef idx="0">
-              <a:schemeClr val="accent1"/>
-            </a:fillRef>
-            <a:effectRef idx="0">
-              <a:schemeClr val="accent1"/>
-            </a:effectRef>
-            <a:fontRef idx="minor">
-              <a:schemeClr val="tx1"/>
-            </a:fontRef>
-          </p:style>
-        </p:cxnSp>
-        <p:cxnSp>
-          <p:nvCxnSpPr>
-            <p:cNvPr id="25" name="Straight Connector 24">
-              <a:extLst>
-                <a:ext uri="{FF2B5EF4-FFF2-40B4-BE49-F238E27FC236}">
-                  <a16:creationId xmlns:a16="http://schemas.microsoft.com/office/drawing/2014/main" id="{E5EC673A-4928-4D02-A1B7-CE0155E67F8C}"/>
-                </a:ext>
-              </a:extLst>
-            </p:cNvPr>
-            <p:cNvCxnSpPr>
-              <a:cxnSpLocks/>
-            </p:cNvCxnSpPr>
-            <p:nvPr/>
-          </p:nvCxnSpPr>
-          <p:spPr>
-            <a:xfrm flipH="1">
-              <a:off x="4816052" y="3238500"/>
-              <a:ext cx="1416165" cy="996673"/>
-            </a:xfrm>
-            <a:prstGeom prst="line">
-              <a:avLst/>
-            </a:prstGeom>
-            <a:ln w="28575">
-              <a:prstDash val="sysDot"/>
-            </a:ln>
-          </p:spPr>
-          <p:style>
-            <a:lnRef idx="1">
-              <a:schemeClr val="accent1"/>
-            </a:lnRef>
-            <a:fillRef idx="0">
-              <a:schemeClr val="accent1"/>
-            </a:fillRef>
-            <a:effectRef idx="0">
-              <a:schemeClr val="accent1"/>
-            </a:effectRef>
-            <a:fontRef idx="minor">
-              <a:schemeClr val="tx1"/>
-            </a:fontRef>
-          </p:style>
-        </p:cxnSp>
-        <p:cxnSp>
-          <p:nvCxnSpPr>
-            <p:cNvPr id="31" name="Straight Connector 30">
-              <a:extLst>
-                <a:ext uri="{FF2B5EF4-FFF2-40B4-BE49-F238E27FC236}">
-                  <a16:creationId xmlns:a16="http://schemas.microsoft.com/office/drawing/2014/main" id="{00D66A40-A6B0-4206-9F69-76C43FEED3EC}"/>
-                </a:ext>
-              </a:extLst>
-            </p:cNvPr>
-            <p:cNvCxnSpPr>
-              <a:cxnSpLocks/>
-            </p:cNvCxnSpPr>
-            <p:nvPr/>
-          </p:nvCxnSpPr>
-          <p:spPr>
-            <a:xfrm>
-              <a:off x="909320" y="3185160"/>
-              <a:ext cx="6842760" cy="101981"/>
-            </a:xfrm>
-            <a:prstGeom prst="line">
-              <a:avLst/>
-            </a:prstGeom>
-            <a:ln w="28575">
-              <a:solidFill>
-                <a:srgbClr val="00B050"/>
-              </a:solidFill>
-            </a:ln>
-          </p:spPr>
-          <p:style>
-            <a:lnRef idx="1">
-              <a:schemeClr val="accent1"/>
-            </a:lnRef>
-            <a:fillRef idx="0">
-              <a:schemeClr val="accent1"/>
-            </a:fillRef>
-            <a:effectRef idx="0">
-              <a:schemeClr val="accent1"/>
-            </a:effectRef>
-            <a:fontRef idx="minor">
-              <a:schemeClr val="tx1"/>
-            </a:fontRef>
-          </p:style>
-        </p:cxnSp>
-        <p:sp>
-          <p:nvSpPr>
-            <p:cNvPr id="36" name="Oval 35">
-              <a:extLst>
-                <a:ext uri="{FF2B5EF4-FFF2-40B4-BE49-F238E27FC236}">
-                  <a16:creationId xmlns:a16="http://schemas.microsoft.com/office/drawing/2014/main" id="{04F4C29E-660B-4D3D-9148-34B9CE0D1B37}"/>
-                </a:ext>
-              </a:extLst>
-            </p:cNvPr>
-            <p:cNvSpPr/>
-            <p:nvPr/>
-          </p:nvSpPr>
-          <p:spPr>
-            <a:xfrm>
-              <a:off x="5896610" y="3061208"/>
-              <a:ext cx="94615" cy="101981"/>
-            </a:xfrm>
-            <a:prstGeom prst="ellipse">
-              <a:avLst/>
-            </a:prstGeom>
-          </p:spPr>
-          <p:style>
-            <a:lnRef idx="2">
-              <a:schemeClr val="accent2">
-                <a:shade val="50000"/>
-              </a:schemeClr>
-            </a:lnRef>
-            <a:fillRef idx="1">
-              <a:schemeClr val="accent2"/>
-            </a:fillRef>
-            <a:effectRef idx="0">
-              <a:schemeClr val="accent2"/>
-            </a:effectRef>
-            <a:fontRef idx="minor">
-              <a:schemeClr val="lt1"/>
-            </a:fontRef>
-          </p:style>
-          <p:txBody>
-            <a:bodyPr rtlCol="0" anchor="ctr"/>
-            <a:lstStyle/>
-            <a:p>
-              <a:pPr algn="ctr"/>
-              <a:endParaRPr lang="en-SG"/>
-            </a:p>
-          </p:txBody>
-        </p:sp>
-        <p:sp>
-          <p:nvSpPr>
-            <p:cNvPr id="37" name="Oval 36">
-              <a:extLst>
-                <a:ext uri="{FF2B5EF4-FFF2-40B4-BE49-F238E27FC236}">
-                  <a16:creationId xmlns:a16="http://schemas.microsoft.com/office/drawing/2014/main" id="{E4DF6E63-FFC9-49D2-831C-F3343CC699EE}"/>
-                </a:ext>
-              </a:extLst>
-            </p:cNvPr>
-            <p:cNvSpPr/>
-            <p:nvPr/>
-          </p:nvSpPr>
-          <p:spPr>
-            <a:xfrm>
-              <a:off x="6184909" y="3210178"/>
-              <a:ext cx="94615" cy="101981"/>
-            </a:xfrm>
-            <a:prstGeom prst="ellipse">
-              <a:avLst/>
-            </a:prstGeom>
-          </p:spPr>
-          <p:style>
-            <a:lnRef idx="2">
-              <a:schemeClr val="accent5">
-                <a:shade val="50000"/>
-              </a:schemeClr>
-            </a:lnRef>
-            <a:fillRef idx="1">
-              <a:schemeClr val="accent5"/>
-            </a:fillRef>
-            <a:effectRef idx="0">
-              <a:schemeClr val="accent5"/>
-            </a:effectRef>
-            <a:fontRef idx="minor">
-              <a:schemeClr val="lt1"/>
-            </a:fontRef>
-          </p:style>
-          <p:txBody>
-            <a:bodyPr rtlCol="0" anchor="ctr"/>
-            <a:lstStyle/>
-            <a:p>
-              <a:pPr algn="ctr"/>
-              <a:endParaRPr lang="en-SG"/>
-            </a:p>
-          </p:txBody>
-        </p:sp>
-        <p:sp>
-          <p:nvSpPr>
-            <p:cNvPr id="38" name="Oval 37">
-              <a:extLst>
-                <a:ext uri="{FF2B5EF4-FFF2-40B4-BE49-F238E27FC236}">
-                  <a16:creationId xmlns:a16="http://schemas.microsoft.com/office/drawing/2014/main" id="{D847553A-53A8-4BAC-9AB3-4FD1FC5D53C5}"/>
-                </a:ext>
-              </a:extLst>
-            </p:cNvPr>
-            <p:cNvSpPr/>
-            <p:nvPr/>
-          </p:nvSpPr>
-          <p:spPr>
-            <a:xfrm>
-              <a:off x="896876" y="3134169"/>
-              <a:ext cx="94615" cy="101981"/>
-            </a:xfrm>
-            <a:prstGeom prst="ellipse">
-              <a:avLst/>
-            </a:prstGeom>
-          </p:spPr>
-          <p:style>
-            <a:lnRef idx="2">
-              <a:schemeClr val="accent5">
-                <a:shade val="50000"/>
-              </a:schemeClr>
-            </a:lnRef>
-            <a:fillRef idx="1">
-              <a:schemeClr val="accent5"/>
-            </a:fillRef>
-            <a:effectRef idx="0">
-              <a:schemeClr val="accent5"/>
-            </a:effectRef>
-            <a:fontRef idx="minor">
-              <a:schemeClr val="lt1"/>
-            </a:fontRef>
-          </p:style>
-          <p:txBody>
-            <a:bodyPr rtlCol="0" anchor="ctr"/>
-            <a:lstStyle/>
-            <a:p>
-              <a:pPr algn="ctr"/>
-              <a:endParaRPr lang="en-SG"/>
-            </a:p>
-          </p:txBody>
-        </p:sp>
+          </p:grpSpPr>
+          <p:grpSp>
+            <p:nvGrpSpPr>
+              <p:cNvPr id="51" name="Group 50">
+                <a:extLst>
+                  <a:ext uri="{FF2B5EF4-FFF2-40B4-BE49-F238E27FC236}">
+                    <a16:creationId xmlns:a16="http://schemas.microsoft.com/office/drawing/2014/main" id="{C7FD9D1E-2977-4C21-8319-FE35829D2612}"/>
+                  </a:ext>
+                </a:extLst>
+              </p:cNvPr>
+              <p:cNvGrpSpPr/>
+              <p:nvPr/>
+            </p:nvGrpSpPr>
+            <p:grpSpPr>
+              <a:xfrm>
+                <a:off x="1380593" y="2067071"/>
+                <a:ext cx="3678432" cy="1015663"/>
+                <a:chOff x="2261391" y="2027546"/>
+                <a:chExt cx="3678432" cy="1015663"/>
+              </a:xfrm>
+            </p:grpSpPr>
+            <p:sp>
+              <p:nvSpPr>
+                <p:cNvPr id="43" name="TextBox 42">
+                  <a:extLst>
+                    <a:ext uri="{FF2B5EF4-FFF2-40B4-BE49-F238E27FC236}">
+                      <a16:creationId xmlns:a16="http://schemas.microsoft.com/office/drawing/2014/main" id="{A072C6C7-EA5C-412F-93B4-5C879A46A0BA}"/>
+                    </a:ext>
+                  </a:extLst>
+                </p:cNvPr>
+                <p:cNvSpPr txBox="1"/>
+                <p:nvPr/>
+              </p:nvSpPr>
+              <p:spPr>
+                <a:xfrm>
+                  <a:off x="2456963" y="2027546"/>
+                  <a:ext cx="3482860" cy="1015663"/>
+                </a:xfrm>
+                <a:prstGeom prst="rect">
+                  <a:avLst/>
+                </a:prstGeom>
+                <a:noFill/>
+              </p:spPr>
+              <p:txBody>
+                <a:bodyPr wrap="square" rtlCol="0">
+                  <a:spAutoFit/>
+                </a:bodyPr>
+                <a:lstStyle/>
+                <a:p>
+                  <a:r>
+                    <a:rPr lang="en-US" sz="1000" dirty="0">
+                      <a:latin typeface="Times New Roman" panose="02020603050405020304" pitchFamily="18" charset="0"/>
+                      <a:cs typeface="Times New Roman" panose="02020603050405020304" pitchFamily="18" charset="0"/>
+                    </a:rPr>
+                    <a:t>Vanishing Points</a:t>
+                  </a:r>
+                </a:p>
+                <a:p>
+                  <a:r>
+                    <a:rPr lang="en-US" sz="1000" dirty="0">
+                      <a:latin typeface="Times New Roman" panose="02020603050405020304" pitchFamily="18" charset="0"/>
+                      <a:cs typeface="Times New Roman" panose="02020603050405020304" pitchFamily="18" charset="0"/>
+                    </a:rPr>
+                    <a:t>Perspective Lines</a:t>
+                  </a:r>
+                </a:p>
+                <a:p>
+                  <a:r>
+                    <a:rPr lang="en-US" sz="1000" dirty="0">
+                      <a:latin typeface="Times New Roman" panose="02020603050405020304" pitchFamily="18" charset="0"/>
+                      <a:cs typeface="Times New Roman" panose="02020603050405020304" pitchFamily="18" charset="0"/>
+                    </a:rPr>
+                    <a:t>Horizon</a:t>
+                  </a:r>
+                </a:p>
+                <a:p>
+                  <a:r>
+                    <a:rPr lang="en-US" sz="1000" dirty="0" err="1">
+                      <a:latin typeface="Times New Roman" panose="02020603050405020304" pitchFamily="18" charset="0"/>
+                      <a:cs typeface="Times New Roman" panose="02020603050405020304" pitchFamily="18" charset="0"/>
+                    </a:rPr>
+                    <a:t>Epipole</a:t>
+                  </a:r>
+                  <a:endParaRPr lang="en-US" sz="1000" dirty="0">
+                    <a:latin typeface="Times New Roman" panose="02020603050405020304" pitchFamily="18" charset="0"/>
+                    <a:cs typeface="Times New Roman" panose="02020603050405020304" pitchFamily="18" charset="0"/>
+                  </a:endParaRPr>
+                </a:p>
+                <a:p>
+                  <a:r>
+                    <a:rPr lang="en-US" sz="1000" dirty="0" err="1">
+                      <a:latin typeface="Times New Roman" panose="02020603050405020304" pitchFamily="18" charset="0"/>
+                      <a:cs typeface="Times New Roman" panose="02020603050405020304" pitchFamily="18" charset="0"/>
+                    </a:rPr>
+                    <a:t>Epipolar</a:t>
+                  </a:r>
+                  <a:r>
+                    <a:rPr lang="en-US" sz="1000" dirty="0">
+                      <a:latin typeface="Times New Roman" panose="02020603050405020304" pitchFamily="18" charset="0"/>
+                      <a:cs typeface="Times New Roman" panose="02020603050405020304" pitchFamily="18" charset="0"/>
+                    </a:rPr>
+                    <a:t> Lines (All Other </a:t>
+                  </a:r>
+                  <a:r>
+                    <a:rPr lang="en-US" sz="1000" dirty="0" err="1">
+                      <a:latin typeface="Times New Roman" panose="02020603050405020304" pitchFamily="18" charset="0"/>
+                      <a:cs typeface="Times New Roman" panose="02020603050405020304" pitchFamily="18" charset="0"/>
+                    </a:rPr>
+                    <a:t>Coloured</a:t>
+                  </a:r>
+                  <a:r>
+                    <a:rPr lang="en-US" sz="1000" dirty="0">
+                      <a:latin typeface="Times New Roman" panose="02020603050405020304" pitchFamily="18" charset="0"/>
+                      <a:cs typeface="Times New Roman" panose="02020603050405020304" pitchFamily="18" charset="0"/>
+                    </a:rPr>
+                    <a:t> Lines) </a:t>
+                  </a:r>
+                </a:p>
+                <a:p>
+                  <a:endParaRPr lang="en-SG" sz="1000" dirty="0">
+                    <a:latin typeface="Times New Roman" panose="02020603050405020304" pitchFamily="18" charset="0"/>
+                    <a:cs typeface="Times New Roman" panose="02020603050405020304" pitchFamily="18" charset="0"/>
+                  </a:endParaRPr>
+                </a:p>
+              </p:txBody>
+            </p:sp>
+            <p:cxnSp>
+              <p:nvCxnSpPr>
+                <p:cNvPr id="44" name="Straight Connector 43">
+                  <a:extLst>
+                    <a:ext uri="{FF2B5EF4-FFF2-40B4-BE49-F238E27FC236}">
+                      <a16:creationId xmlns:a16="http://schemas.microsoft.com/office/drawing/2014/main" id="{7B16E6D4-101E-4580-89B4-76E466E66241}"/>
+                    </a:ext>
+                  </a:extLst>
+                </p:cNvPr>
+                <p:cNvCxnSpPr>
+                  <a:cxnSpLocks/>
+                </p:cNvCxnSpPr>
+                <p:nvPr/>
+              </p:nvCxnSpPr>
+              <p:spPr>
+                <a:xfrm flipH="1">
+                  <a:off x="2261391" y="2299982"/>
+                  <a:ext cx="209665" cy="0"/>
+                </a:xfrm>
+                <a:prstGeom prst="line">
+                  <a:avLst/>
+                </a:prstGeom>
+                <a:ln w="28575">
+                  <a:prstDash val="sysDot"/>
+                </a:ln>
+              </p:spPr>
+              <p:style>
+                <a:lnRef idx="1">
+                  <a:schemeClr val="accent1"/>
+                </a:lnRef>
+                <a:fillRef idx="0">
+                  <a:schemeClr val="accent1"/>
+                </a:fillRef>
+                <a:effectRef idx="0">
+                  <a:schemeClr val="accent1"/>
+                </a:effectRef>
+                <a:fontRef idx="minor">
+                  <a:schemeClr val="tx1"/>
+                </a:fontRef>
+              </p:style>
+            </p:cxnSp>
+            <p:cxnSp>
+              <p:nvCxnSpPr>
+                <p:cNvPr id="47" name="Straight Connector 46">
+                  <a:extLst>
+                    <a:ext uri="{FF2B5EF4-FFF2-40B4-BE49-F238E27FC236}">
+                      <a16:creationId xmlns:a16="http://schemas.microsoft.com/office/drawing/2014/main" id="{FD2C236E-94E7-4BDA-922A-F1A689800AD9}"/>
+                    </a:ext>
+                  </a:extLst>
+                </p:cNvPr>
+                <p:cNvCxnSpPr>
+                  <a:cxnSpLocks/>
+                </p:cNvCxnSpPr>
+                <p:nvPr/>
+              </p:nvCxnSpPr>
+              <p:spPr>
+                <a:xfrm>
+                  <a:off x="2265259" y="2447543"/>
+                  <a:ext cx="201930" cy="3009"/>
+                </a:xfrm>
+                <a:prstGeom prst="line">
+                  <a:avLst/>
+                </a:prstGeom>
+                <a:ln w="28575">
+                  <a:solidFill>
+                    <a:srgbClr val="00B050"/>
+                  </a:solidFill>
+                </a:ln>
+              </p:spPr>
+              <p:style>
+                <a:lnRef idx="1">
+                  <a:schemeClr val="accent1"/>
+                </a:lnRef>
+                <a:fillRef idx="0">
+                  <a:schemeClr val="accent1"/>
+                </a:fillRef>
+                <a:effectRef idx="0">
+                  <a:schemeClr val="accent1"/>
+                </a:effectRef>
+                <a:fontRef idx="minor">
+                  <a:schemeClr val="tx1"/>
+                </a:fontRef>
+              </p:style>
+            </p:cxnSp>
+            <p:sp>
+              <p:nvSpPr>
+                <p:cNvPr id="49" name="Oval 48">
+                  <a:extLst>
+                    <a:ext uri="{FF2B5EF4-FFF2-40B4-BE49-F238E27FC236}">
+                      <a16:creationId xmlns:a16="http://schemas.microsoft.com/office/drawing/2014/main" id="{FF4FD72B-75DB-42E9-A41E-87DABD10D10F}"/>
+                    </a:ext>
+                  </a:extLst>
+                </p:cNvPr>
+                <p:cNvSpPr/>
+                <p:nvPr/>
+              </p:nvSpPr>
+              <p:spPr>
+                <a:xfrm>
+                  <a:off x="2327106" y="2088019"/>
+                  <a:ext cx="94615" cy="101981"/>
+                </a:xfrm>
+                <a:prstGeom prst="ellipse">
+                  <a:avLst/>
+                </a:prstGeom>
+              </p:spPr>
+              <p:style>
+                <a:lnRef idx="2">
+                  <a:schemeClr val="accent5">
+                    <a:shade val="50000"/>
+                  </a:schemeClr>
+                </a:lnRef>
+                <a:fillRef idx="1">
+                  <a:schemeClr val="accent5"/>
+                </a:fillRef>
+                <a:effectRef idx="0">
+                  <a:schemeClr val="accent5"/>
+                </a:effectRef>
+                <a:fontRef idx="minor">
+                  <a:schemeClr val="lt1"/>
+                </a:fontRef>
+              </p:style>
+              <p:txBody>
+                <a:bodyPr rtlCol="0" anchor="ctr"/>
+                <a:lstStyle/>
+                <a:p>
+                  <a:pPr algn="ctr"/>
+                  <a:endParaRPr lang="en-SG"/>
+                </a:p>
+              </p:txBody>
+            </p:sp>
+          </p:grpSp>
+          <p:sp>
+            <p:nvSpPr>
+              <p:cNvPr id="50" name="Oval 49">
+                <a:extLst>
+                  <a:ext uri="{FF2B5EF4-FFF2-40B4-BE49-F238E27FC236}">
+                    <a16:creationId xmlns:a16="http://schemas.microsoft.com/office/drawing/2014/main" id="{32C47ABA-A5C8-4286-8075-D52FAE8D6D19}"/>
+                  </a:ext>
+                </a:extLst>
+              </p:cNvPr>
+              <p:cNvSpPr/>
+              <p:nvPr/>
+            </p:nvSpPr>
+            <p:spPr>
+              <a:xfrm>
+                <a:off x="1444975" y="2614265"/>
+                <a:ext cx="94615" cy="101981"/>
+              </a:xfrm>
+              <a:prstGeom prst="ellipse">
+                <a:avLst/>
+              </a:prstGeom>
+            </p:spPr>
+            <p:style>
+              <a:lnRef idx="2">
+                <a:schemeClr val="accent2">
+                  <a:shade val="50000"/>
+                </a:schemeClr>
+              </a:lnRef>
+              <a:fillRef idx="1">
+                <a:schemeClr val="accent2"/>
+              </a:fillRef>
+              <a:effectRef idx="0">
+                <a:schemeClr val="accent2"/>
+              </a:effectRef>
+              <a:fontRef idx="minor">
+                <a:schemeClr val="lt1"/>
+              </a:fontRef>
+            </p:style>
+            <p:txBody>
+              <a:bodyPr rtlCol="0" anchor="ctr"/>
+              <a:lstStyle/>
+              <a:p>
+                <a:pPr algn="ctr"/>
+                <a:endParaRPr lang="en-SG"/>
+              </a:p>
+            </p:txBody>
+          </p:sp>
+          <p:cxnSp>
+            <p:nvCxnSpPr>
+              <p:cNvPr id="53" name="Straight Connector 52">
+                <a:extLst>
+                  <a:ext uri="{FF2B5EF4-FFF2-40B4-BE49-F238E27FC236}">
+                    <a16:creationId xmlns:a16="http://schemas.microsoft.com/office/drawing/2014/main" id="{EEF7BD76-27FA-417A-85D0-70B635C1DE90}"/>
+                  </a:ext>
+                </a:extLst>
+              </p:cNvPr>
+              <p:cNvCxnSpPr>
+                <a:cxnSpLocks/>
+              </p:cNvCxnSpPr>
+              <p:nvPr/>
+            </p:nvCxnSpPr>
+            <p:spPr>
+              <a:xfrm>
+                <a:off x="1380593" y="2806998"/>
+                <a:ext cx="205798" cy="0"/>
+              </a:xfrm>
+              <a:prstGeom prst="line">
+                <a:avLst/>
+              </a:prstGeom>
+            </p:spPr>
+            <p:style>
+              <a:lnRef idx="1">
+                <a:schemeClr val="accent4"/>
+              </a:lnRef>
+              <a:fillRef idx="0">
+                <a:schemeClr val="accent4"/>
+              </a:fillRef>
+              <a:effectRef idx="0">
+                <a:schemeClr val="accent4"/>
+              </a:effectRef>
+              <a:fontRef idx="minor">
+                <a:schemeClr val="tx1"/>
+              </a:fontRef>
+            </p:style>
+          </p:cxnSp>
+          <p:cxnSp>
+            <p:nvCxnSpPr>
+              <p:cNvPr id="54" name="Straight Connector 53">
+                <a:extLst>
+                  <a:ext uri="{FF2B5EF4-FFF2-40B4-BE49-F238E27FC236}">
+                    <a16:creationId xmlns:a16="http://schemas.microsoft.com/office/drawing/2014/main" id="{9CB289B3-2ED2-4A3F-8C76-F1A6343E3EE1}"/>
+                  </a:ext>
+                </a:extLst>
+              </p:cNvPr>
+              <p:cNvCxnSpPr>
+                <a:cxnSpLocks/>
+              </p:cNvCxnSpPr>
+              <p:nvPr/>
+            </p:nvCxnSpPr>
+            <p:spPr>
+              <a:xfrm>
+                <a:off x="1385706" y="2835573"/>
+                <a:ext cx="200685" cy="0"/>
+              </a:xfrm>
+              <a:prstGeom prst="line">
+                <a:avLst/>
+              </a:prstGeom>
+              <a:ln>
+                <a:solidFill>
+                  <a:srgbClr val="FF0000"/>
+                </a:solidFill>
+              </a:ln>
+            </p:spPr>
+            <p:style>
+              <a:lnRef idx="1">
+                <a:schemeClr val="accent4"/>
+              </a:lnRef>
+              <a:fillRef idx="0">
+                <a:schemeClr val="accent4"/>
+              </a:fillRef>
+              <a:effectRef idx="0">
+                <a:schemeClr val="accent4"/>
+              </a:effectRef>
+              <a:fontRef idx="minor">
+                <a:schemeClr val="tx1"/>
+              </a:fontRef>
+            </p:style>
+          </p:cxnSp>
+          <p:cxnSp>
+            <p:nvCxnSpPr>
+              <p:cNvPr id="61" name="Straight Connector 60">
+                <a:extLst>
+                  <a:ext uri="{FF2B5EF4-FFF2-40B4-BE49-F238E27FC236}">
+                    <a16:creationId xmlns:a16="http://schemas.microsoft.com/office/drawing/2014/main" id="{C3DB6367-8209-4C5A-8665-F9C26040721C}"/>
+                  </a:ext>
+                </a:extLst>
+              </p:cNvPr>
+              <p:cNvCxnSpPr>
+                <a:cxnSpLocks/>
+              </p:cNvCxnSpPr>
+              <p:nvPr/>
+            </p:nvCxnSpPr>
+            <p:spPr>
+              <a:xfrm>
+                <a:off x="1391939" y="2781896"/>
+                <a:ext cx="200685" cy="0"/>
+              </a:xfrm>
+              <a:prstGeom prst="line">
+                <a:avLst/>
+              </a:prstGeom>
+              <a:ln>
+                <a:solidFill>
+                  <a:srgbClr val="AB25AE"/>
+                </a:solidFill>
+              </a:ln>
+            </p:spPr>
+            <p:style>
+              <a:lnRef idx="1">
+                <a:schemeClr val="accent4"/>
+              </a:lnRef>
+              <a:fillRef idx="0">
+                <a:schemeClr val="accent4"/>
+              </a:fillRef>
+              <a:effectRef idx="0">
+                <a:schemeClr val="accent4"/>
+              </a:effectRef>
+              <a:fontRef idx="minor">
+                <a:schemeClr val="tx1"/>
+              </a:fontRef>
+            </p:style>
+          </p:cxnSp>
+        </p:grpSp>
       </p:grpSp>
     </p:spTree>
     <p:extLst>

--- a/cw1/fundamentalMatrix/data/left_fundemental.pptx
+++ b/cw1/fundamentalMatrix/data/left_fundemental.pptx
@@ -105,6 +105,11 @@
       </a:defRPr>
     </a:lvl9pPr>
   </p:defaultTextStyle>
+  <p:extLst>
+    <p:ext uri="{EFAFB233-063F-42B5-8137-9DF3F51BA10A}">
+      <p15:sldGuideLst xmlns:p15="http://schemas.microsoft.com/office/powerpoint/2012/main"/>
+    </p:ext>
+  </p:extLst>
 </p:presentation>
 </file>
 
@@ -257,7 +262,7 @@
           <a:p>
             <a:fld id="{522D1F24-6043-4662-897F-BD86B4FC46F8}" type="datetimeFigureOut">
               <a:rPr lang="en-SG" smtClean="0"/>
-              <a:t>11/2/2022</a:t>
+              <a:t>12/2/2022</a:t>
             </a:fld>
             <a:endParaRPr lang="en-SG"/>
           </a:p>
@@ -457,7 +462,7 @@
           <a:p>
             <a:fld id="{522D1F24-6043-4662-897F-BD86B4FC46F8}" type="datetimeFigureOut">
               <a:rPr lang="en-SG" smtClean="0"/>
-              <a:t>11/2/2022</a:t>
+              <a:t>12/2/2022</a:t>
             </a:fld>
             <a:endParaRPr lang="en-SG"/>
           </a:p>
@@ -667,7 +672,7 @@
           <a:p>
             <a:fld id="{522D1F24-6043-4662-897F-BD86B4FC46F8}" type="datetimeFigureOut">
               <a:rPr lang="en-SG" smtClean="0"/>
-              <a:t>11/2/2022</a:t>
+              <a:t>12/2/2022</a:t>
             </a:fld>
             <a:endParaRPr lang="en-SG"/>
           </a:p>
@@ -867,7 +872,7 @@
           <a:p>
             <a:fld id="{522D1F24-6043-4662-897F-BD86B4FC46F8}" type="datetimeFigureOut">
               <a:rPr lang="en-SG" smtClean="0"/>
-              <a:t>11/2/2022</a:t>
+              <a:t>12/2/2022</a:t>
             </a:fld>
             <a:endParaRPr lang="en-SG"/>
           </a:p>
@@ -1143,7 +1148,7 @@
           <a:p>
             <a:fld id="{522D1F24-6043-4662-897F-BD86B4FC46F8}" type="datetimeFigureOut">
               <a:rPr lang="en-SG" smtClean="0"/>
-              <a:t>11/2/2022</a:t>
+              <a:t>12/2/2022</a:t>
             </a:fld>
             <a:endParaRPr lang="en-SG"/>
           </a:p>
@@ -1411,7 +1416,7 @@
           <a:p>
             <a:fld id="{522D1F24-6043-4662-897F-BD86B4FC46F8}" type="datetimeFigureOut">
               <a:rPr lang="en-SG" smtClean="0"/>
-              <a:t>11/2/2022</a:t>
+              <a:t>12/2/2022</a:t>
             </a:fld>
             <a:endParaRPr lang="en-SG"/>
           </a:p>
@@ -1826,7 +1831,7 @@
           <a:p>
             <a:fld id="{522D1F24-6043-4662-897F-BD86B4FC46F8}" type="datetimeFigureOut">
               <a:rPr lang="en-SG" smtClean="0"/>
-              <a:t>11/2/2022</a:t>
+              <a:t>12/2/2022</a:t>
             </a:fld>
             <a:endParaRPr lang="en-SG"/>
           </a:p>
@@ -1968,7 +1973,7 @@
           <a:p>
             <a:fld id="{522D1F24-6043-4662-897F-BD86B4FC46F8}" type="datetimeFigureOut">
               <a:rPr lang="en-SG" smtClean="0"/>
-              <a:t>11/2/2022</a:t>
+              <a:t>12/2/2022</a:t>
             </a:fld>
             <a:endParaRPr lang="en-SG"/>
           </a:p>
@@ -2081,7 +2086,7 @@
           <a:p>
             <a:fld id="{522D1F24-6043-4662-897F-BD86B4FC46F8}" type="datetimeFigureOut">
               <a:rPr lang="en-SG" smtClean="0"/>
-              <a:t>11/2/2022</a:t>
+              <a:t>12/2/2022</a:t>
             </a:fld>
             <a:endParaRPr lang="en-SG"/>
           </a:p>
@@ -2394,7 +2399,7 @@
           <a:p>
             <a:fld id="{522D1F24-6043-4662-897F-BD86B4FC46F8}" type="datetimeFigureOut">
               <a:rPr lang="en-SG" smtClean="0"/>
-              <a:t>11/2/2022</a:t>
+              <a:t>12/2/2022</a:t>
             </a:fld>
             <a:endParaRPr lang="en-SG"/>
           </a:p>
@@ -2683,7 +2688,7 @@
           <a:p>
             <a:fld id="{522D1F24-6043-4662-897F-BD86B4FC46F8}" type="datetimeFigureOut">
               <a:rPr lang="en-SG" smtClean="0"/>
-              <a:t>11/2/2022</a:t>
+              <a:t>12/2/2022</a:t>
             </a:fld>
             <a:endParaRPr lang="en-SG"/>
           </a:p>
@@ -2926,7 +2931,7 @@
           <a:p>
             <a:fld id="{522D1F24-6043-4662-897F-BD86B4FC46F8}" type="datetimeFigureOut">
               <a:rPr lang="en-SG" smtClean="0"/>
-              <a:t>11/2/2022</a:t>
+              <a:t>12/2/2022</a:t>
             </a:fld>
             <a:endParaRPr lang="en-SG"/>
           </a:p>
@@ -3667,7 +3672,7 @@
             </p:nvSpPr>
             <p:spPr>
               <a:xfrm>
-                <a:off x="5608268" y="3210177"/>
+                <a:off x="5900368" y="3062860"/>
                 <a:ext cx="94615" cy="101981"/>
               </a:xfrm>
               <a:prstGeom prst="ellipse">
